--- a/doc/_meeting_weekly_doc/02_week_plan_ljj.pptx
+++ b/doc/_meeting_weekly_doc/02_week_plan_ljj.pptx
@@ -3286,7 +3286,7 @@
         </p:nvGraphicFramePr>
         <p:xfrm>
           <a:off x="467544" y="1268760"/>
-          <a:ext cx="8229600" cy="1483360"/>
+          <a:ext cx="8229600" cy="2753360"/>
         </p:xfrm>
         <a:graphic>
           <a:graphicData uri="http://schemas.openxmlformats.org/drawingml/2006/table">
@@ -3833,6 +3833,15 @@
                     <a:lstStyle/>
                     <a:p>
                       <a:pPr algn="ctr" latinLnBrk="1"/>
+                      <a:r>
+                        <a:rPr lang="ko-KR" altLang="en-US" sz="1200" b="0" dirty="0" smtClean="0">
+                          <a:solidFill>
+                            <a:schemeClr val="tx1"/>
+                          </a:solidFill>
+                          <a:latin typeface="+mn-lt"/>
+                        </a:rPr>
+                        <a:t>없음</a:t>
+                      </a:r>
                       <a:endParaRPr lang="ko-KR" altLang="en-US" sz="1200" b="0" dirty="0">
                         <a:solidFill>
                           <a:schemeClr val="tx1"/>
@@ -4168,6 +4177,66 @@
                     <a:lstStyle/>
                     <a:p>
                       <a:pPr algn="ctr" latinLnBrk="1"/>
+                      <a:r>
+                        <a:rPr lang="ko-KR" altLang="en-US" sz="1200" b="0" dirty="0" err="1" smtClean="0">
+                          <a:solidFill>
+                            <a:schemeClr val="tx1"/>
+                          </a:solidFill>
+                          <a:latin typeface="+mn-lt"/>
+                        </a:rPr>
+                        <a:t>넥슨</a:t>
+                      </a:r>
+                      <a:r>
+                        <a:rPr lang="ko-KR" altLang="en-US" sz="1200" b="0" dirty="0" smtClean="0">
+                          <a:solidFill>
+                            <a:schemeClr val="tx1"/>
+                          </a:solidFill>
+                          <a:latin typeface="+mn-lt"/>
+                        </a:rPr>
+                        <a:t> 코딩시험 준비</a:t>
+                      </a:r>
+                      <a:r>
+                        <a:rPr lang="en-US" altLang="ko-KR" sz="1200" b="0" dirty="0" smtClean="0">
+                          <a:solidFill>
+                            <a:schemeClr val="tx1"/>
+                          </a:solidFill>
+                          <a:latin typeface="+mn-lt"/>
+                        </a:rPr>
+                        <a:t>,</a:t>
+                      </a:r>
+                    </a:p>
+                    <a:p>
+                      <a:pPr algn="ctr" latinLnBrk="1"/>
+                      <a:r>
+                        <a:rPr lang="ko-KR" altLang="en-US" sz="1200" b="0" dirty="0" smtClean="0">
+                          <a:solidFill>
+                            <a:schemeClr val="tx1"/>
+                          </a:solidFill>
+                          <a:latin typeface="+mn-lt"/>
+                        </a:rPr>
+                        <a:t>회의 준비</a:t>
+                      </a:r>
+                      <a:r>
+                        <a:rPr lang="en-US" altLang="ko-KR" sz="1200" b="0" dirty="0" smtClean="0">
+                          <a:solidFill>
+                            <a:schemeClr val="tx1"/>
+                          </a:solidFill>
+                          <a:latin typeface="+mn-lt"/>
+                        </a:rPr>
+                        <a:t>,</a:t>
+                      </a:r>
+                    </a:p>
+                    <a:p>
+                      <a:pPr algn="ctr" latinLnBrk="1"/>
+                      <a:r>
+                        <a:rPr lang="ko-KR" altLang="en-US" sz="1200" b="0" dirty="0" err="1" smtClean="0">
+                          <a:solidFill>
+                            <a:schemeClr val="tx1"/>
+                          </a:solidFill>
+                          <a:latin typeface="+mn-lt"/>
+                        </a:rPr>
+                        <a:t>바운딩박스렌더링</a:t>
+                      </a:r>
                       <a:endParaRPr lang="ko-KR" altLang="en-US" sz="1200" b="0" dirty="0">
                         <a:solidFill>
                           <a:schemeClr val="tx1"/>
@@ -4521,6 +4590,54 @@
                     <a:lstStyle/>
                     <a:p>
                       <a:pPr algn="ctr" latinLnBrk="1"/>
+                      <a:r>
+                        <a:rPr lang="ko-KR" altLang="en-US" sz="1200" b="0" dirty="0" smtClean="0">
+                          <a:solidFill>
+                            <a:schemeClr val="tx1"/>
+                          </a:solidFill>
+                          <a:latin typeface="+mn-lt"/>
+                        </a:rPr>
+                        <a:t>출근시간에 너무 서두르다가 </a:t>
+                      </a:r>
+                      <a:r>
+                        <a:rPr lang="ko-KR" altLang="en-US" sz="1200" b="0" dirty="0" err="1" smtClean="0">
+                          <a:solidFill>
+                            <a:schemeClr val="tx1"/>
+                          </a:solidFill>
+                          <a:latin typeface="+mn-lt"/>
+                        </a:rPr>
+                        <a:t>사고남</a:t>
+                      </a:r>
+                      <a:r>
+                        <a:rPr lang="en-US" altLang="ko-KR" sz="1200" b="0" dirty="0" smtClean="0">
+                          <a:solidFill>
+                            <a:schemeClr val="tx1"/>
+                          </a:solidFill>
+                          <a:latin typeface="+mn-lt"/>
+                        </a:rPr>
+                        <a:t>.</a:t>
+                      </a:r>
+                    </a:p>
+                    <a:p>
+                      <a:pPr algn="ctr" latinLnBrk="1"/>
+                      <a:r>
+                        <a:rPr lang="ko-KR" altLang="en-US" sz="1200" b="0" dirty="0" smtClean="0">
+                          <a:solidFill>
+                            <a:schemeClr val="tx1"/>
+                          </a:solidFill>
+                          <a:latin typeface="+mn-lt"/>
+                        </a:rPr>
+                        <a:t>늦어도 좋으니 서두르지 말자</a:t>
+                      </a:r>
+                      <a:r>
+                        <a:rPr lang="en-US" altLang="ko-KR" sz="1200" b="0" dirty="0" smtClean="0">
+                          <a:solidFill>
+                            <a:schemeClr val="tx1"/>
+                          </a:solidFill>
+                          <a:latin typeface="+mn-lt"/>
+                        </a:rPr>
+                        <a:t>.</a:t>
+                      </a:r>
                       <a:endParaRPr lang="ko-KR" altLang="en-US" sz="1200" b="0" dirty="0">
                         <a:solidFill>
                           <a:schemeClr val="tx1"/>
